--- a/AWS Serverless 101.pptx
+++ b/AWS Serverless 101.pptx
@@ -533,7 +533,15 @@
           <a:p>
             <a:r>
               <a:rPr lang="en-US" dirty="0" smtClean="0"/>
-              <a:t>You can find the sample code at: https://github.com/MarkFreedman/Serverless101</a:t>
+              <a:t>You can find the sample code at: https</a:t>
+            </a:r>
+            <a:r>
+              <a:rPr lang="en-US" smtClean="0"/>
+              <a:t>://</a:t>
+            </a:r>
+            <a:r>
+              <a:rPr lang="en-US" smtClean="0"/>
+              <a:t>github.com/MarkFreedman/AWSServerless101</a:t>
             </a:r>
             <a:endParaRPr lang="en-US" dirty="0"/>
           </a:p>
@@ -10907,11 +10915,11 @@
   <p:clrMapOvr>
     <a:masterClrMapping/>
   </p:clrMapOvr>
-  <mc:AlternateContent xmlns:mc="http://schemas.openxmlformats.org/markup-compatibility/2006">
-    <mc:Choice xmlns:p14="http://schemas.microsoft.com/office/powerpoint/2010/main" Requires="p14">
+  <mc:AlternateContent xmlns:mc="http://schemas.openxmlformats.org/markup-compatibility/2006" xmlns:p14="http://schemas.microsoft.com/office/powerpoint/2010/main">
+    <mc:Choice Requires="p14">
       <p:transition spd="slow" p14:dur="2000"/>
     </mc:Choice>
-    <mc:Fallback>
+    <mc:Fallback xmlns="">
       <p:transition spd="slow"/>
     </mc:Fallback>
   </mc:AlternateContent>
